--- a/EscalatedCallPrediction/EscalatedCallPrediction.pptx
+++ b/EscalatedCallPrediction/EscalatedCallPrediction.pptx
@@ -208,7 +208,7 @@
           <a:p>
             <a:fld id="{C72BED25-392C-0C4D-A7B7-0CD878F1E6AB}" type="datetimeFigureOut">
               <a:rPr lang="en-US" smtClean="0"/>
-              <a:t>10/30/25</a:t>
+              <a:t>11/15/25</a:t>
             </a:fld>
             <a:endParaRPr lang="en-US"/>
           </a:p>
@@ -2325,7 +2325,7 @@
           <a:p>
             <a:fld id="{48A87A34-81AB-432B-8DAE-1953F412C126}" type="datetimeFigureOut">
               <a:rPr lang="en-US" smtClean="0"/>
-              <a:t>10/30/25</a:t>
+              <a:t>11/15/25</a:t>
             </a:fld>
             <a:endParaRPr lang="en-US" dirty="0"/>
           </a:p>
@@ -2577,7 +2577,7 @@
             <a:fld id="{48A87A34-81AB-432B-8DAE-1953F412C126}" type="datetimeFigureOut">
               <a:rPr lang="en-US" smtClean="0"/>
               <a:pPr/>
-              <a:t>10/30/25</a:t>
+              <a:t>11/15/25</a:t>
             </a:fld>
             <a:endParaRPr lang="en-US" dirty="0"/>
           </a:p>
@@ -2893,7 +2893,7 @@
             <a:fld id="{48A87A34-81AB-432B-8DAE-1953F412C126}" type="datetimeFigureOut">
               <a:rPr lang="en-US" smtClean="0"/>
               <a:pPr/>
-              <a:t>10/30/25</a:t>
+              <a:t>11/15/25</a:t>
             </a:fld>
             <a:endParaRPr lang="en-US" dirty="0"/>
           </a:p>
@@ -3236,7 +3236,7 @@
             <a:fld id="{48A87A34-81AB-432B-8DAE-1953F412C126}" type="datetimeFigureOut">
               <a:rPr lang="en-US" smtClean="0"/>
               <a:pPr/>
-              <a:t>10/30/25</a:t>
+              <a:t>11/15/25</a:t>
             </a:fld>
             <a:endParaRPr lang="en-US" dirty="0"/>
           </a:p>
@@ -3552,7 +3552,7 @@
             <a:fld id="{48A87A34-81AB-432B-8DAE-1953F412C126}" type="datetimeFigureOut">
               <a:rPr lang="en-US" smtClean="0"/>
               <a:pPr/>
-              <a:t>10/30/25</a:t>
+              <a:t>11/15/25</a:t>
             </a:fld>
             <a:endParaRPr lang="en-US" dirty="0"/>
           </a:p>
@@ -3947,7 +3947,7 @@
             <a:fld id="{48A87A34-81AB-432B-8DAE-1953F412C126}" type="datetimeFigureOut">
               <a:rPr lang="en-US" smtClean="0"/>
               <a:pPr/>
-              <a:t>10/30/25</a:t>
+              <a:t>11/15/25</a:t>
             </a:fld>
             <a:endParaRPr lang="en-US" dirty="0"/>
           </a:p>
@@ -4118,7 +4118,7 @@
           <a:p>
             <a:fld id="{48A87A34-81AB-432B-8DAE-1953F412C126}" type="datetimeFigureOut">
               <a:rPr lang="en-US" smtClean="0"/>
-              <a:t>10/30/25</a:t>
+              <a:t>11/15/25</a:t>
             </a:fld>
             <a:endParaRPr lang="en-US" dirty="0"/>
           </a:p>
@@ -4299,7 +4299,7 @@
             <a:fld id="{48A87A34-81AB-432B-8DAE-1953F412C126}" type="datetimeFigureOut">
               <a:rPr lang="en-US" smtClean="0"/>
               <a:pPr/>
-              <a:t>10/30/25</a:t>
+              <a:t>11/15/25</a:t>
             </a:fld>
             <a:endParaRPr lang="en-US" dirty="0"/>
           </a:p>
@@ -4475,7 +4475,7 @@
           <a:p>
             <a:fld id="{48A87A34-81AB-432B-8DAE-1953F412C126}" type="datetimeFigureOut">
               <a:rPr lang="en-US" smtClean="0"/>
-              <a:t>10/30/25</a:t>
+              <a:t>11/15/25</a:t>
             </a:fld>
             <a:endParaRPr lang="en-US" dirty="0"/>
           </a:p>
@@ -4723,7 +4723,7 @@
             <a:fld id="{48A87A34-81AB-432B-8DAE-1953F412C126}" type="datetimeFigureOut">
               <a:rPr lang="en-US" smtClean="0"/>
               <a:pPr/>
-              <a:t>10/30/25</a:t>
+              <a:t>11/15/25</a:t>
             </a:fld>
             <a:endParaRPr lang="en-US" dirty="0"/>
           </a:p>
@@ -4955,7 +4955,7 @@
           <a:p>
             <a:fld id="{48A87A34-81AB-432B-8DAE-1953F412C126}" type="datetimeFigureOut">
               <a:rPr lang="en-US" smtClean="0"/>
-              <a:t>10/30/25</a:t>
+              <a:t>11/15/25</a:t>
             </a:fld>
             <a:endParaRPr lang="en-US" dirty="0"/>
           </a:p>
@@ -5329,7 +5329,7 @@
           <a:p>
             <a:fld id="{48A87A34-81AB-432B-8DAE-1953F412C126}" type="datetimeFigureOut">
               <a:rPr lang="en-US" smtClean="0"/>
-              <a:t>10/30/25</a:t>
+              <a:t>11/15/25</a:t>
             </a:fld>
             <a:endParaRPr lang="en-US" dirty="0"/>
           </a:p>
@@ -5452,7 +5452,7 @@
           <a:p>
             <a:fld id="{48A87A34-81AB-432B-8DAE-1953F412C126}" type="datetimeFigureOut">
               <a:rPr lang="en-US" smtClean="0"/>
-              <a:t>10/30/25</a:t>
+              <a:t>11/15/25</a:t>
             </a:fld>
             <a:endParaRPr lang="en-US" dirty="0"/>
           </a:p>
@@ -5547,7 +5547,7 @@
           <a:p>
             <a:fld id="{48A87A34-81AB-432B-8DAE-1953F412C126}" type="datetimeFigureOut">
               <a:rPr lang="en-US" smtClean="0"/>
-              <a:t>10/30/25</a:t>
+              <a:t>11/15/25</a:t>
             </a:fld>
             <a:endParaRPr lang="en-US" dirty="0"/>
           </a:p>
@@ -5802,7 +5802,7 @@
           <a:p>
             <a:fld id="{48A87A34-81AB-432B-8DAE-1953F412C126}" type="datetimeFigureOut">
               <a:rPr lang="en-US" smtClean="0"/>
-              <a:t>10/30/25</a:t>
+              <a:t>11/15/25</a:t>
             </a:fld>
             <a:endParaRPr lang="en-US" dirty="0"/>
           </a:p>
@@ -6065,7 +6065,7 @@
           <a:p>
             <a:fld id="{48A87A34-81AB-432B-8DAE-1953F412C126}" type="datetimeFigureOut">
               <a:rPr lang="en-US" smtClean="0"/>
-              <a:t>10/30/25</a:t>
+              <a:t>11/15/25</a:t>
             </a:fld>
             <a:endParaRPr lang="en-US" dirty="0"/>
           </a:p>
@@ -6865,7 +6865,7 @@
             <a:fld id="{48A87A34-81AB-432B-8DAE-1953F412C126}" type="datetimeFigureOut">
               <a:rPr lang="en-US" smtClean="0"/>
               <a:pPr/>
-              <a:t>10/30/25</a:t>
+              <a:t>11/15/25</a:t>
             </a:fld>
             <a:endParaRPr lang="en-US" dirty="0"/>
           </a:p>
@@ -8321,10 +8321,10 @@
       </p:sp>
       <p:graphicFrame>
         <p:nvGraphicFramePr>
-          <p:cNvPr id="5" name="Object 4">
+          <p:cNvPr id="2" name="Object 1">
             <a:extLst>
               <a:ext uri="{FF2B5EF4-FFF2-40B4-BE49-F238E27FC236}">
-                <a16:creationId xmlns:a16="http://schemas.microsoft.com/office/drawing/2014/main" id="{96A39202-2D8C-E08C-1F70-0E25078271E9}"/>
+                <a16:creationId xmlns:a16="http://schemas.microsoft.com/office/drawing/2014/main" id="{8AFEEA7C-CB2A-5745-89A6-59B1BD1BCA03}"/>
               </a:ext>
             </a:extLst>
           </p:cNvPr>
@@ -8334,25 +8334,25 @@
           <p:nvPr>
             <p:extLst>
               <p:ext uri="{D42A27DB-BD31-4B8C-83A1-F6EECF244321}">
-                <p14:modId xmlns:p14="http://schemas.microsoft.com/office/powerpoint/2010/main" val="3702015747"/>
+                <p14:modId xmlns:p14="http://schemas.microsoft.com/office/powerpoint/2010/main" val="975037133"/>
               </p:ext>
             </p:extLst>
           </p:nvPr>
         </p:nvGraphicFramePr>
         <p:xfrm>
-          <a:off x="3376297" y="2715921"/>
-          <a:ext cx="3992563" cy="3285587"/>
+          <a:off x="3124200" y="2904564"/>
+          <a:ext cx="4944035" cy="2324143"/>
         </p:xfrm>
         <a:graphic>
           <a:graphicData uri="http://schemas.openxmlformats.org/presentationml/2006/ole">
             <mc:AlternateContent xmlns:mc="http://schemas.openxmlformats.org/markup-compatibility/2006">
               <mc:Choice xmlns:v="urn:schemas-microsoft-com:vml" Requires="v">
-                <p:oleObj name="Document" r:id="rId4" imgW="5943600" imgH="8064500" progId="Word.Document.12">
+                <p:oleObj name="Document" r:id="rId4" imgW="5943600" imgH="6553200" progId="Word.Document.12">
                   <p:embed/>
                 </p:oleObj>
               </mc:Choice>
               <mc:Fallback>
-                <p:oleObj name="Document" r:id="rId4" imgW="5943600" imgH="8064500" progId="Word.Document.12">
+                <p:oleObj name="Document" r:id="rId4" imgW="5943600" imgH="6553200" progId="Word.Document.12">
                   <p:embed/>
                   <p:pic>
                     <p:nvPicPr>
@@ -8368,12 +8368,17 @@
                     </p:blipFill>
                     <p:spPr>
                       <a:xfrm>
-                        <a:off x="3376297" y="2715921"/>
-                        <a:ext cx="3992563" cy="3285587"/>
+                        <a:off x="3124200" y="2904564"/>
+                        <a:ext cx="4944035" cy="2324143"/>
                       </a:xfrm>
                       <a:prstGeom prst="rect">
                         <a:avLst/>
                       </a:prstGeom>
+                      <a:ln>
+                        <a:solidFill>
+                          <a:schemeClr val="accent1"/>
+                        </a:solidFill>
+                      </a:ln>
                     </p:spPr>
                   </p:pic>
                 </p:oleObj>
